--- a/presentations/Colab_features_utilities_and_tricks.pptx
+++ b/presentations/Colab_features_utilities_and_tricks.pptx
@@ -341,7 +341,7 @@
               <a:pPr>
                 <a:defRPr/>
               </a:pPr>
-              <a:t>28/03/2021</a:t>
+              <a:t>05/04/2021</a:t>
             </a:fld>
             <a:endParaRPr lang="en-US"/>
           </a:p>
@@ -640,7 +640,7 @@
               <a:pPr>
                 <a:defRPr/>
               </a:pPr>
-              <a:t>28/03/2021</a:t>
+              <a:t>05/04/2021</a:t>
             </a:fld>
             <a:endParaRPr lang="es-ES"/>
           </a:p>
@@ -13603,8 +13603,8 @@
         </p:nvSpPr>
         <p:spPr>
           <a:xfrm>
-            <a:off x="2231232" y="4077072"/>
-            <a:ext cx="6912768" cy="1200329"/>
+            <a:off x="2224741" y="4337067"/>
+            <a:ext cx="6912768" cy="369332"/>
           </a:xfrm>
           <a:prstGeom prst="rect">
             <a:avLst/>
@@ -13617,34 +13617,10 @@
           <a:lstStyle/>
           <a:p>
             <a:r>
-              <a:rPr lang="en-US" dirty="0">
+              <a:rPr lang="es-ES" dirty="0" err="1">
                 <a:hlinkClick r:id="rId4"/>
               </a:rPr>
-              <a:t>computer-vision-and-deep-learning-course/</a:t>
-            </a:r>
-            <a:r>
-              <a:rPr lang="en-US" dirty="0" err="1">
-                <a:hlinkClick r:id="rId4"/>
-              </a:rPr>
               <a:t>collection_of_some_features_utilities_and_tricks.ipynb</a:t>
-            </a:r>
-            <a:r>
-              <a:rPr lang="en-US" dirty="0">
-                <a:hlinkClick r:id="rId4"/>
-              </a:rPr>
-              <a:t> at main · </a:t>
-            </a:r>
-            <a:r>
-              <a:rPr lang="en-US" dirty="0" err="1">
-                <a:hlinkClick r:id="rId4"/>
-              </a:rPr>
-              <a:t>albertofernandezvillan</a:t>
-            </a:r>
-            <a:r>
-              <a:rPr lang="en-US" dirty="0">
-                <a:hlinkClick r:id="rId4"/>
-              </a:rPr>
-              <a:t>/computer-vision-and-deep-learning-course (github.com)</a:t>
             </a:r>
             <a:endParaRPr lang="es-ES" dirty="0"/>
           </a:p>
@@ -13683,7 +13659,7 @@
         <p:spPr>
           <a:xfrm>
             <a:off x="2247459" y="5531782"/>
-            <a:ext cx="5797152" cy="646331"/>
+            <a:ext cx="5797152" cy="369332"/>
           </a:xfrm>
           <a:prstGeom prst="rect">
             <a:avLst/>
@@ -13701,68 +13677,7 @@
               </a:rPr>
               <a:t>collection_of_some_features_utilities_and_tricks.ipynb</a:t>
             </a:r>
-            <a:r>
-              <a:rPr lang="es-ES" dirty="0">
-                <a:hlinkClick r:id="rId6"/>
-              </a:rPr>
-              <a:t> - </a:t>
-            </a:r>
-            <a:r>
-              <a:rPr lang="es-ES" dirty="0" err="1">
-                <a:hlinkClick r:id="rId6"/>
-              </a:rPr>
-              <a:t>Colaboratory</a:t>
-            </a:r>
-            <a:r>
-              <a:rPr lang="es-ES" dirty="0">
-                <a:hlinkClick r:id="rId6"/>
-              </a:rPr>
-              <a:t> (google.com</a:t>
-            </a:r>
-            <a:r>
-              <a:rPr lang="es-ES" dirty="0" smtClean="0">
-                <a:hlinkClick r:id="rId6"/>
-              </a:rPr>
-              <a:t>)</a:t>
-            </a:r>
             <a:endParaRPr lang="es-ES" dirty="0"/>
-          </a:p>
-        </p:txBody>
-      </p:sp>
-      <p:sp>
-        <p:nvSpPr>
-          <p:cNvPr id="8" name="Rectángulo 7"/>
-          <p:cNvSpPr/>
-          <p:nvPr/>
-        </p:nvSpPr>
-        <p:spPr>
-          <a:xfrm>
-            <a:off x="1371600" y="3300663"/>
-            <a:ext cx="6509154" cy="369332"/>
-          </a:xfrm>
-          <a:prstGeom prst="rect">
-            <a:avLst/>
-          </a:prstGeom>
-        </p:spPr>
-        <p:txBody>
-          <a:bodyPr wrap="none">
-            <a:spAutoFit/>
-          </a:bodyPr>
-          <a:lstStyle/>
-          <a:p>
-            <a:r>
-              <a:rPr lang="es-ES" b="1" dirty="0"/>
-              <a:t>Notebook: </a:t>
-            </a:r>
-            <a:r>
-              <a:rPr lang="es-ES" b="1" dirty="0" err="1"/>
-              <a:t>collection_of_some_features_utilities_and_tricks.ipynb</a:t>
-            </a:r>
-            <a:r>
-              <a:rPr lang="es-ES" b="1" dirty="0"/>
-              <a:t> </a:t>
-            </a:r>
-            <a:endParaRPr lang="es-ES" b="1" dirty="0"/>
           </a:p>
         </p:txBody>
       </p:sp>
@@ -16047,19 +15962,7 @@
               <a:rPr lang="en-US" sz="2500" dirty="0">
                 <a:latin typeface="+mn-lt"/>
               </a:rPr>
-              <a:t>We can make use </a:t>
-            </a:r>
-            <a:r>
-              <a:rPr lang="en-US" sz="2500" dirty="0">
-                <a:latin typeface="+mn-lt"/>
-              </a:rPr>
-              <a:t>of ? </a:t>
-            </a:r>
-            <a:r>
-              <a:rPr lang="en-US" sz="2500" dirty="0">
-                <a:latin typeface="+mn-lt"/>
-              </a:rPr>
-              <a:t>to explore the API we are working with.</a:t>
+              <a:t>We can make use of ? to explore the API we are working with.</a:t>
             </a:r>
             <a:endParaRPr lang="es-ES" sz="2500" dirty="0">
               <a:latin typeface="+mn-lt"/>
